--- a/Figures/Experimental design.pptx
+++ b/Figures/Experimental design.pptx
@@ -139,7 +139,7 @@
 <file path=ppt/revisionInfo.xml><?xml version="1.0" encoding="utf-8"?>
 <p1510:revInfo xmlns:a="http://schemas.openxmlformats.org/drawingml/2006/main" xmlns:r="http://schemas.openxmlformats.org/officeDocument/2006/relationships" xmlns:p1510="http://schemas.microsoft.com/office/powerpoint/2015/10/main">
   <p1510:revLst>
-    <p1510:client id="{611C9B59-30A7-4360-B0DB-018F112CBDD9}" v="273" dt="2020-11-04T13:08:11.831"/>
+    <p1510:client id="{611C9B59-30A7-4360-B0DB-018F112CBDD9}" v="275" dt="2020-11-09T17:36:09.494"/>
   </p1510:revLst>
 </p1510:revInfo>
 </file>
@@ -149,7 +149,7 @@
   <pc:docChgLst>
     <pc:chgData name="benjamin Skjold" userId="c95198f139ad621b" providerId="LiveId" clId="{611C9B59-30A7-4360-B0DB-018F112CBDD9}"/>
     <pc:docChg chg="undo custSel addSld delSld modSld sldOrd">
-      <pc:chgData name="benjamin Skjold" userId="c95198f139ad621b" providerId="LiveId" clId="{611C9B59-30A7-4360-B0DB-018F112CBDD9}" dt="2020-11-04T13:08:11.823" v="3527"/>
+      <pc:chgData name="benjamin Skjold" userId="c95198f139ad621b" providerId="LiveId" clId="{611C9B59-30A7-4360-B0DB-018F112CBDD9}" dt="2020-11-09T17:36:18.794" v="3535" actId="1076"/>
       <pc:docMkLst>
         <pc:docMk/>
       </pc:docMkLst>
@@ -2168,11 +2168,19 @@
         </pc:cxnChg>
       </pc:sldChg>
       <pc:sldChg chg="addSp delSp modSp add ord">
-        <pc:chgData name="benjamin Skjold" userId="c95198f139ad621b" providerId="LiveId" clId="{611C9B59-30A7-4360-B0DB-018F112CBDD9}" dt="2020-11-04T13:07:58.852" v="3524"/>
+        <pc:chgData name="benjamin Skjold" userId="c95198f139ad621b" providerId="LiveId" clId="{611C9B59-30A7-4360-B0DB-018F112CBDD9}" dt="2020-11-09T17:36:18.794" v="3535" actId="1076"/>
         <pc:sldMkLst>
           <pc:docMk/>
           <pc:sldMk cId="263234287" sldId="266"/>
         </pc:sldMkLst>
+        <pc:spChg chg="add mod">
+          <ac:chgData name="benjamin Skjold" userId="c95198f139ad621b" providerId="LiveId" clId="{611C9B59-30A7-4360-B0DB-018F112CBDD9}" dt="2020-11-09T17:36:05.696" v="3531" actId="1076"/>
+          <ac:spMkLst>
+            <pc:docMk/>
+            <pc:sldMk cId="263234287" sldId="266"/>
+            <ac:spMk id="2" creationId="{16446AD6-B890-4F5B-A454-08041D0B6C01}"/>
+          </ac:spMkLst>
+        </pc:spChg>
         <pc:spChg chg="add del">
           <ac:chgData name="benjamin Skjold" userId="c95198f139ad621b" providerId="LiveId" clId="{611C9B59-30A7-4360-B0DB-018F112CBDD9}" dt="2020-11-04T12:21:45.760" v="2032"/>
           <ac:spMkLst>
@@ -2243,6 +2251,14 @@
             <pc:docMk/>
             <pc:sldMk cId="263234287" sldId="266"/>
             <ac:spMk id="24" creationId="{A7404D83-6FA5-46AA-8182-D9620B4A42B2}"/>
+          </ac:spMkLst>
+        </pc:spChg>
+        <pc:spChg chg="add mod">
+          <ac:chgData name="benjamin Skjold" userId="c95198f139ad621b" providerId="LiveId" clId="{611C9B59-30A7-4360-B0DB-018F112CBDD9}" dt="2020-11-09T17:36:18.794" v="3535" actId="1076"/>
+          <ac:spMkLst>
+            <pc:docMk/>
+            <pc:sldMk cId="263234287" sldId="266"/>
+            <ac:spMk id="25" creationId="{18B226DC-D3F5-49A7-8B71-03DD20B02545}"/>
           </ac:spMkLst>
         </pc:spChg>
         <pc:spChg chg="add mod ord">
@@ -2557,7 +2573,7 @@
           <a:p>
             <a:fld id="{02E3E5D2-3F4A-484C-9827-3F2974E85A2B}" type="datetimeFigureOut">
               <a:rPr lang="en-US" smtClean="0"/>
-              <a:t>11/4/2020</a:t>
+              <a:t>11/9/2020</a:t>
             </a:fld>
             <a:endParaRPr lang="en-US"/>
           </a:p>
@@ -3058,7 +3074,7 @@
           <a:p>
             <a:fld id="{F7EFAE15-B2FB-4AB7-8AC4-94FB87B74DD3}" type="datetimeFigureOut">
               <a:rPr lang="en-US" smtClean="0"/>
-              <a:t>11/4/2020</a:t>
+              <a:t>11/9/2020</a:t>
             </a:fld>
             <a:endParaRPr lang="en-US"/>
           </a:p>
@@ -3258,7 +3274,7 @@
           <a:p>
             <a:fld id="{F7EFAE15-B2FB-4AB7-8AC4-94FB87B74DD3}" type="datetimeFigureOut">
               <a:rPr lang="en-US" smtClean="0"/>
-              <a:t>11/4/2020</a:t>
+              <a:t>11/9/2020</a:t>
             </a:fld>
             <a:endParaRPr lang="en-US"/>
           </a:p>
@@ -3468,7 +3484,7 @@
           <a:p>
             <a:fld id="{F7EFAE15-B2FB-4AB7-8AC4-94FB87B74DD3}" type="datetimeFigureOut">
               <a:rPr lang="en-US" smtClean="0"/>
-              <a:t>11/4/2020</a:t>
+              <a:t>11/9/2020</a:t>
             </a:fld>
             <a:endParaRPr lang="en-US"/>
           </a:p>
@@ -3668,7 +3684,7 @@
           <a:p>
             <a:fld id="{F7EFAE15-B2FB-4AB7-8AC4-94FB87B74DD3}" type="datetimeFigureOut">
               <a:rPr lang="en-US" smtClean="0"/>
-              <a:t>11/4/2020</a:t>
+              <a:t>11/9/2020</a:t>
             </a:fld>
             <a:endParaRPr lang="en-US"/>
           </a:p>
@@ -3944,7 +3960,7 @@
           <a:p>
             <a:fld id="{F7EFAE15-B2FB-4AB7-8AC4-94FB87B74DD3}" type="datetimeFigureOut">
               <a:rPr lang="en-US" smtClean="0"/>
-              <a:t>11/4/2020</a:t>
+              <a:t>11/9/2020</a:t>
             </a:fld>
             <a:endParaRPr lang="en-US"/>
           </a:p>
@@ -4212,7 +4228,7 @@
           <a:p>
             <a:fld id="{F7EFAE15-B2FB-4AB7-8AC4-94FB87B74DD3}" type="datetimeFigureOut">
               <a:rPr lang="en-US" smtClean="0"/>
-              <a:t>11/4/2020</a:t>
+              <a:t>11/9/2020</a:t>
             </a:fld>
             <a:endParaRPr lang="en-US"/>
           </a:p>
@@ -4627,7 +4643,7 @@
           <a:p>
             <a:fld id="{F7EFAE15-B2FB-4AB7-8AC4-94FB87B74DD3}" type="datetimeFigureOut">
               <a:rPr lang="en-US" smtClean="0"/>
-              <a:t>11/4/2020</a:t>
+              <a:t>11/9/2020</a:t>
             </a:fld>
             <a:endParaRPr lang="en-US"/>
           </a:p>
@@ -4769,7 +4785,7 @@
           <a:p>
             <a:fld id="{F7EFAE15-B2FB-4AB7-8AC4-94FB87B74DD3}" type="datetimeFigureOut">
               <a:rPr lang="en-US" smtClean="0"/>
-              <a:t>11/4/2020</a:t>
+              <a:t>11/9/2020</a:t>
             </a:fld>
             <a:endParaRPr lang="en-US"/>
           </a:p>
@@ -4882,7 +4898,7 @@
           <a:p>
             <a:fld id="{F7EFAE15-B2FB-4AB7-8AC4-94FB87B74DD3}" type="datetimeFigureOut">
               <a:rPr lang="en-US" smtClean="0"/>
-              <a:t>11/4/2020</a:t>
+              <a:t>11/9/2020</a:t>
             </a:fld>
             <a:endParaRPr lang="en-US"/>
           </a:p>
@@ -5195,7 +5211,7 @@
           <a:p>
             <a:fld id="{F7EFAE15-B2FB-4AB7-8AC4-94FB87B74DD3}" type="datetimeFigureOut">
               <a:rPr lang="en-US" smtClean="0"/>
-              <a:t>11/4/2020</a:t>
+              <a:t>11/9/2020</a:t>
             </a:fld>
             <a:endParaRPr lang="en-US"/>
           </a:p>
@@ -5484,7 +5500,7 @@
           <a:p>
             <a:fld id="{F7EFAE15-B2FB-4AB7-8AC4-94FB87B74DD3}" type="datetimeFigureOut">
               <a:rPr lang="en-US" smtClean="0"/>
-              <a:t>11/4/2020</a:t>
+              <a:t>11/9/2020</a:t>
             </a:fld>
             <a:endParaRPr lang="en-US"/>
           </a:p>
@@ -5727,7 +5743,7 @@
           <a:p>
             <a:fld id="{F7EFAE15-B2FB-4AB7-8AC4-94FB87B74DD3}" type="datetimeFigureOut">
               <a:rPr lang="en-US" smtClean="0"/>
-              <a:t>11/4/2020</a:t>
+              <a:t>11/9/2020</a:t>
             </a:fld>
             <a:endParaRPr lang="en-US"/>
           </a:p>
@@ -7014,6 +7030,76 @@
           </a:p>
         </p:txBody>
       </p:sp>
+      <p:sp>
+        <p:nvSpPr>
+          <p:cNvPr id="2" name="Tekstfelt 1">
+            <a:extLst>
+              <a:ext uri="{FF2B5EF4-FFF2-40B4-BE49-F238E27FC236}">
+                <a16:creationId xmlns:a16="http://schemas.microsoft.com/office/drawing/2014/main" id="{16446AD6-B890-4F5B-A454-08041D0B6C01}"/>
+              </a:ext>
+            </a:extLst>
+          </p:cNvPr>
+          <p:cNvSpPr txBox="1"/>
+          <p:nvPr/>
+        </p:nvSpPr>
+        <p:spPr>
+          <a:xfrm>
+            <a:off x="947318" y="-7291"/>
+            <a:ext cx="298480" cy="369332"/>
+          </a:xfrm>
+          <a:prstGeom prst="rect">
+            <a:avLst/>
+          </a:prstGeom>
+          <a:noFill/>
+        </p:spPr>
+        <p:txBody>
+          <a:bodyPr wrap="none" rtlCol="0">
+            <a:spAutoFit/>
+          </a:bodyPr>
+          <a:lstStyle/>
+          <a:p>
+            <a:r>
+              <a:rPr lang="en-US" b="1" dirty="0"/>
+              <a:t>a</a:t>
+            </a:r>
+          </a:p>
+        </p:txBody>
+      </p:sp>
+      <p:sp>
+        <p:nvSpPr>
+          <p:cNvPr id="25" name="Tekstfelt 24">
+            <a:extLst>
+              <a:ext uri="{FF2B5EF4-FFF2-40B4-BE49-F238E27FC236}">
+                <a16:creationId xmlns:a16="http://schemas.microsoft.com/office/drawing/2014/main" id="{18B226DC-D3F5-49A7-8B71-03DD20B02545}"/>
+              </a:ext>
+            </a:extLst>
+          </p:cNvPr>
+          <p:cNvSpPr txBox="1"/>
+          <p:nvPr/>
+        </p:nvSpPr>
+        <p:spPr>
+          <a:xfrm>
+            <a:off x="274766" y="3059668"/>
+            <a:ext cx="308098" cy="369332"/>
+          </a:xfrm>
+          <a:prstGeom prst="rect">
+            <a:avLst/>
+          </a:prstGeom>
+          <a:noFill/>
+        </p:spPr>
+        <p:txBody>
+          <a:bodyPr wrap="none" rtlCol="0">
+            <a:spAutoFit/>
+          </a:bodyPr>
+          <a:lstStyle/>
+          <a:p>
+            <a:r>
+              <a:rPr lang="en-US" b="1" dirty="0"/>
+              <a:t>b</a:t>
+            </a:r>
+          </a:p>
+        </p:txBody>
+      </p:sp>
     </p:spTree>
     <p:extLst>
       <p:ext uri="{BB962C8B-B14F-4D97-AF65-F5344CB8AC3E}">
@@ -8151,8 +8237,8 @@
             </a:p>
           </p:txBody>
         </p:sp>
-        <mc:AlternateContent xmlns:mc="http://schemas.openxmlformats.org/markup-compatibility/2006">
-          <mc:Choice xmlns:a14="http://schemas.microsoft.com/office/drawing/2010/main" Requires="a14">
+        <mc:AlternateContent xmlns:mc="http://schemas.openxmlformats.org/markup-compatibility/2006" xmlns:a14="http://schemas.microsoft.com/office/drawing/2010/main">
+          <mc:Choice Requires="a14">
             <p:sp>
               <p:nvSpPr>
                 <p:cNvPr id="9" name="Tekstfelt 8">
@@ -8213,7 +8299,7 @@
               </p:txBody>
             </p:sp>
           </mc:Choice>
-          <mc:Fallback>
+          <mc:Fallback xmlns="">
             <p:sp>
               <p:nvSpPr>
                 <p:cNvPr id="9" name="Tekstfelt 8">
@@ -8832,8 +8918,8 @@
             </a:p>
           </p:txBody>
         </p:sp>
-        <mc:AlternateContent xmlns:mc="http://schemas.openxmlformats.org/markup-compatibility/2006">
-          <mc:Choice xmlns:a14="http://schemas.microsoft.com/office/drawing/2010/main" Requires="a14">
+        <mc:AlternateContent xmlns:mc="http://schemas.openxmlformats.org/markup-compatibility/2006" xmlns:a14="http://schemas.microsoft.com/office/drawing/2010/main">
+          <mc:Choice Requires="a14">
             <p:sp>
               <p:nvSpPr>
                 <p:cNvPr id="21" name="Tekstfelt 20">
@@ -8894,7 +8980,7 @@
               </p:txBody>
             </p:sp>
           </mc:Choice>
-          <mc:Fallback>
+          <mc:Fallback xmlns="">
             <p:sp>
               <p:nvSpPr>
                 <p:cNvPr id="21" name="Tekstfelt 20">
@@ -9700,8 +9786,8 @@
             </a:p>
           </p:txBody>
         </p:sp>
-        <mc:AlternateContent xmlns:mc="http://schemas.openxmlformats.org/markup-compatibility/2006">
-          <mc:Choice xmlns:a14="http://schemas.microsoft.com/office/drawing/2010/main" Requires="a14">
+        <mc:AlternateContent xmlns:mc="http://schemas.openxmlformats.org/markup-compatibility/2006" xmlns:a14="http://schemas.microsoft.com/office/drawing/2010/main">
+          <mc:Choice Requires="a14">
             <p:sp>
               <p:nvSpPr>
                 <p:cNvPr id="33" name="Tekstfelt 32">
@@ -9762,7 +9848,7 @@
               </p:txBody>
             </p:sp>
           </mc:Choice>
-          <mc:Fallback>
+          <mc:Fallback xmlns="">
             <p:sp>
               <p:nvSpPr>
                 <p:cNvPr id="33" name="Tekstfelt 32">
@@ -10381,8 +10467,8 @@
             </a:p>
           </p:txBody>
         </p:sp>
-        <mc:AlternateContent xmlns:mc="http://schemas.openxmlformats.org/markup-compatibility/2006">
-          <mc:Choice xmlns:a14="http://schemas.microsoft.com/office/drawing/2010/main" Requires="a14">
+        <mc:AlternateContent xmlns:mc="http://schemas.openxmlformats.org/markup-compatibility/2006" xmlns:a14="http://schemas.microsoft.com/office/drawing/2010/main">
+          <mc:Choice Requires="a14">
             <p:sp>
               <p:nvSpPr>
                 <p:cNvPr id="45" name="Tekstfelt 44">
@@ -10443,7 +10529,7 @@
               </p:txBody>
             </p:sp>
           </mc:Choice>
-          <mc:Fallback>
+          <mc:Fallback xmlns="">
             <p:sp>
               <p:nvSpPr>
                 <p:cNvPr id="45" name="Tekstfelt 44">
